--- a/meta/CS231n Poster.pptx
+++ b/meta/CS231n Poster.pptx
@@ -4000,7 +4000,7 @@
         </p:blipFill>
         <p:spPr>
           <a:xfrm>
-            <a:off x="28195924" y="16593824"/>
+            <a:off x="28094326" y="16593824"/>
             <a:ext cx="4810200" cy="3419309"/>
           </a:xfrm>
           <a:prstGeom prst="rect">
@@ -4517,7 +4517,7 @@
         </p:nvSpPr>
         <p:spPr>
           <a:xfrm>
-            <a:off x="24154212" y="19896175"/>
+            <a:off x="24154212" y="19946974"/>
             <a:ext cx="8511600" cy="2232300"/>
           </a:xfrm>
           <a:prstGeom prst="rect">
@@ -4924,7 +4924,7 @@
               <a:buNone/>
             </a:pPr>
             <a:r>
-              <a:rPr lang="en" sz="2400">
+              <a:rPr lang="en" sz="2400" dirty="0">
                 <a:latin typeface="Helvetica Neue"/>
                 <a:ea typeface="Helvetica Neue"/>
                 <a:cs typeface="Helvetica Neue"/>
@@ -4933,7 +4933,7 @@
               <a:t>We used our trained model to perform two basic psychophysical tasks to compare its performance against human behavior. We looked at </a:t>
             </a:r>
             <a:r>
-              <a:rPr lang="en" sz="2400" b="1">
+              <a:rPr lang="en" sz="2400" b="1" dirty="0">
                 <a:latin typeface="Helvetica Neue"/>
                 <a:ea typeface="Helvetica Neue"/>
                 <a:cs typeface="Helvetica Neue"/>
@@ -4942,7 +4942,7 @@
               <a:t>contrast discrimination</a:t>
             </a:r>
             <a:r>
-              <a:rPr lang="en" sz="2400">
+              <a:rPr lang="en" sz="2400" dirty="0">
                 <a:latin typeface="Helvetica Neue"/>
                 <a:ea typeface="Helvetica Neue"/>
                 <a:cs typeface="Helvetica Neue"/>
@@ -4951,7 +4951,7 @@
               <a:t> and </a:t>
             </a:r>
             <a:r>
-              <a:rPr lang="en" sz="2400" b="1">
+              <a:rPr lang="en" sz="2400" b="1" dirty="0">
                 <a:latin typeface="Helvetica Neue"/>
                 <a:ea typeface="Helvetica Neue"/>
                 <a:cs typeface="Helvetica Neue"/>
@@ -4960,7 +4960,7 @@
               <a:t>motion coherence discrimination</a:t>
             </a:r>
             <a:r>
-              <a:rPr lang="en" sz="2400">
+              <a:rPr lang="en" sz="2400" dirty="0">
                 <a:latin typeface="Helvetica Neue"/>
                 <a:ea typeface="Helvetica Neue"/>
                 <a:cs typeface="Helvetica Neue"/>

--- a/meta/CS231n Poster.pptx
+++ b/meta/CS231n Poster.pptx
@@ -3913,34 +3913,6 @@
           <a:chExt cx="0" cy="0"/>
         </a:xfrm>
       </p:grpSpPr>
-      <p:pic>
-        <p:nvPicPr>
-          <p:cNvPr id="54" name="Shape 54"/>
-          <p:cNvPicPr preferRelativeResize="0"/>
-          <p:nvPr/>
-        </p:nvPicPr>
-        <p:blipFill>
-          <a:blip r:embed="rId3">
-            <a:alphaModFix/>
-          </a:blip>
-          <a:stretch>
-            <a:fillRect/>
-          </a:stretch>
-        </p:blipFill>
-        <p:spPr>
-          <a:xfrm>
-            <a:off x="24400174" y="5503025"/>
-            <a:ext cx="8286901" cy="4526287"/>
-          </a:xfrm>
-          <a:prstGeom prst="rect">
-            <a:avLst/>
-          </a:prstGeom>
-          <a:noFill/>
-          <a:ln>
-            <a:noFill/>
-          </a:ln>
-        </p:spPr>
-      </p:pic>
       <p:sp>
         <p:nvSpPr>
           <p:cNvPr id="55" name="Shape 55"/>
@@ -3991,7 +3963,7 @@
           <p:nvPr/>
         </p:nvPicPr>
         <p:blipFill>
-          <a:blip r:embed="rId4">
+          <a:blip r:embed="rId3">
             <a:alphaModFix/>
           </a:blip>
           <a:stretch>
@@ -4019,7 +3991,7 @@
           <p:nvPr/>
         </p:nvPicPr>
         <p:blipFill>
-          <a:blip r:embed="rId5">
+          <a:blip r:embed="rId4">
             <a:alphaModFix/>
           </a:blip>
           <a:stretch>
@@ -4116,7 +4088,7 @@
           <p:nvPr/>
         </p:nvPicPr>
         <p:blipFill>
-          <a:blip r:embed="rId6">
+          <a:blip r:embed="rId5">
             <a:alphaModFix/>
           </a:blip>
           <a:stretch>
@@ -4799,7 +4771,7 @@
           <p:nvPr/>
         </p:nvPicPr>
         <p:blipFill>
-          <a:blip r:embed="rId7">
+          <a:blip r:embed="rId6">
             <a:alphaModFix/>
           </a:blip>
           <a:stretch>
@@ -4978,7 +4950,7 @@
           <p:nvPr/>
         </p:nvPicPr>
         <p:blipFill>
-          <a:blip r:embed="rId8">
+          <a:blip r:embed="rId7">
             <a:alphaModFix/>
           </a:blip>
           <a:stretch>
@@ -5108,7 +5080,7 @@
             <p:nvPr/>
           </p:nvPicPr>
           <p:blipFill>
-            <a:blip r:embed="rId9">
+            <a:blip r:embed="rId8">
               <a:alphaModFix/>
             </a:blip>
             <a:stretch>
@@ -8574,7 +8546,7 @@
           <p:nvPr/>
         </p:nvPicPr>
         <p:blipFill>
-          <a:blip r:embed="rId10">
+          <a:blip r:embed="rId9">
             <a:extLst>
               <a:ext uri="{28A0092B-C50C-407E-A947-70E740481C1C}">
                 <a14:useLocalDpi xmlns:a14="http://schemas.microsoft.com/office/drawing/2010/main" val="0"/>
@@ -8604,7 +8576,7 @@
           <p:nvPr/>
         </p:nvPicPr>
         <p:blipFill>
-          <a:blip r:embed="rId11">
+          <a:blip r:embed="rId10">
             <a:extLst>
               <a:ext uri="{28A0092B-C50C-407E-A947-70E740481C1C}">
                 <a14:useLocalDpi xmlns:a14="http://schemas.microsoft.com/office/drawing/2010/main" val="0"/>
@@ -8619,6 +8591,36 @@
           <a:xfrm>
             <a:off x="859147" y="11232007"/>
             <a:ext cx="7561363" cy="10713593"/>
+          </a:xfrm>
+          <a:prstGeom prst="rect">
+            <a:avLst/>
+          </a:prstGeom>
+        </p:spPr>
+      </p:pic>
+      <p:pic>
+        <p:nvPicPr>
+          <p:cNvPr id="4" name="Picture 3" descr="cv_scores_nice.ai"/>
+          <p:cNvPicPr>
+            <a:picLocks noChangeAspect="1"/>
+          </p:cNvPicPr>
+          <p:nvPr/>
+        </p:nvPicPr>
+        <p:blipFill>
+          <a:blip r:embed="rId11">
+            <a:extLst>
+              <a:ext uri="{28A0092B-C50C-407E-A947-70E740481C1C}">
+                <a14:useLocalDpi xmlns:a14="http://schemas.microsoft.com/office/drawing/2010/main" val="0"/>
+              </a:ext>
+            </a:extLst>
+          </a:blip>
+          <a:stretch>
+            <a:fillRect/>
+          </a:stretch>
+        </p:blipFill>
+        <p:spPr>
+          <a:xfrm>
+            <a:off x="23486535" y="5391463"/>
+            <a:ext cx="9889064" cy="5083326"/>
           </a:xfrm>
           <a:prstGeom prst="rect">
             <a:avLst/>

--- a/meta/CS231n Poster.pptx
+++ b/meta/CS231n Poster.pptx
@@ -8539,7 +8539,7 @@
       </p:grpSp>
       <p:pic>
         <p:nvPicPr>
-          <p:cNvPr id="2" name="Picture 1" descr="psychfig.ai"/>
+          <p:cNvPr id="2" name="Picture 1"/>
           <p:cNvPicPr>
             <a:picLocks noChangeAspect="1"/>
           </p:cNvPicPr>
@@ -8560,7 +8560,7 @@
         <p:spPr>
           <a:xfrm>
             <a:off x="9148825" y="11745628"/>
-            <a:ext cx="15122438" cy="6287975"/>
+            <a:ext cx="15122437" cy="6287975"/>
           </a:xfrm>
           <a:prstGeom prst="rect">
             <a:avLst/>
